--- a/ppt 16-9/0958.在这些仅存的年.pptx
+++ b/ppt 16-9/0958.在这些仅存的年.pptx
@@ -129,7 +129,7 @@
           <p:cNvPr id="2" name="标题 1">
             <a:extLst>
               <a:ext uri="{FF2B5EF4-FFF2-40B4-BE49-F238E27FC236}">
-                <a16:creationId xmlns:a16="http://schemas.microsoft.com/office/drawing/2014/main" id="{FCD09B38-750B-6A66-3B87-65C90FA7BA22}"/>
+                <a16:creationId xmlns:a16="http://schemas.microsoft.com/office/drawing/2014/main" id="{A4023386-777B-1863-D2F0-D8788729F327}"/>
               </a:ext>
             </a:extLst>
           </p:cNvPr>
@@ -166,7 +166,7 @@
           <p:cNvPr id="3" name="副标题 2">
             <a:extLst>
               <a:ext uri="{FF2B5EF4-FFF2-40B4-BE49-F238E27FC236}">
-                <a16:creationId xmlns:a16="http://schemas.microsoft.com/office/drawing/2014/main" id="{9200B2A2-E65F-C6C7-641B-43F4413EBE2D}"/>
+                <a16:creationId xmlns:a16="http://schemas.microsoft.com/office/drawing/2014/main" id="{25726861-6EB1-B099-9FE1-08B76390F3C3}"/>
               </a:ext>
             </a:extLst>
           </p:cNvPr>
@@ -236,7 +236,7 @@
           <p:cNvPr id="4" name="日期占位符 3">
             <a:extLst>
               <a:ext uri="{FF2B5EF4-FFF2-40B4-BE49-F238E27FC236}">
-                <a16:creationId xmlns:a16="http://schemas.microsoft.com/office/drawing/2014/main" id="{BE3C4985-10CB-159A-8E67-5A1B8EA75BD6}"/>
+                <a16:creationId xmlns:a16="http://schemas.microsoft.com/office/drawing/2014/main" id="{0CCB5776-7B34-AA66-FD14-3ED8EE90B24C}"/>
               </a:ext>
             </a:extLst>
           </p:cNvPr>
@@ -252,7 +252,7 @@
           <a:bodyPr/>
           <a:lstStyle/>
           <a:p>
-            <a:fld id="{30E43C62-07F4-451C-A8DB-A19B707121D9}" type="datetimeFigureOut">
+            <a:fld id="{98F3A739-727A-4F2F-B11E-3AC83B982F2E}" type="datetimeFigureOut">
               <a:rPr lang="zh-CN" altLang="en-US" smtClean="0"/>
               <a:t>2024/3/10</a:t>
             </a:fld>
@@ -265,7 +265,7 @@
           <p:cNvPr id="5" name="页脚占位符 4">
             <a:extLst>
               <a:ext uri="{FF2B5EF4-FFF2-40B4-BE49-F238E27FC236}">
-                <a16:creationId xmlns:a16="http://schemas.microsoft.com/office/drawing/2014/main" id="{E0F396F3-D843-F89B-8EBE-9EF5B7F19C6E}"/>
+                <a16:creationId xmlns:a16="http://schemas.microsoft.com/office/drawing/2014/main" id="{EBBF3BAF-6BA9-6DA3-EDB5-AD5DD6140ECB}"/>
               </a:ext>
             </a:extLst>
           </p:cNvPr>
@@ -290,7 +290,7 @@
           <p:cNvPr id="6" name="灯片编号占位符 5">
             <a:extLst>
               <a:ext uri="{FF2B5EF4-FFF2-40B4-BE49-F238E27FC236}">
-                <a16:creationId xmlns:a16="http://schemas.microsoft.com/office/drawing/2014/main" id="{C0B392C1-4C74-9C86-424B-F6C5090C0AF3}"/>
+                <a16:creationId xmlns:a16="http://schemas.microsoft.com/office/drawing/2014/main" id="{DA0E38F7-5DA1-0A97-E782-CB4762F45787}"/>
               </a:ext>
             </a:extLst>
           </p:cNvPr>
@@ -306,7 +306,7 @@
           <a:bodyPr/>
           <a:lstStyle/>
           <a:p>
-            <a:fld id="{286B733A-6737-44E0-8C32-572A3E714E4F}" type="slidenum">
+            <a:fld id="{86667C5B-F815-4353-9AB2-9EA92E67080C}" type="slidenum">
               <a:rPr lang="zh-CN" altLang="en-US" smtClean="0"/>
               <a:t>‹#›</a:t>
             </a:fld>
@@ -317,7 +317,7 @@
     </p:spTree>
     <p:extLst>
       <p:ext uri="{BB962C8B-B14F-4D97-AF65-F5344CB8AC3E}">
-        <p14:creationId xmlns:p14="http://schemas.microsoft.com/office/powerpoint/2010/main" val="1148911135"/>
+        <p14:creationId xmlns:p14="http://schemas.microsoft.com/office/powerpoint/2010/main" val="3870302689"/>
       </p:ext>
     </p:extLst>
   </p:cSld>
@@ -349,7 +349,7 @@
           <p:cNvPr id="2" name="标题 1">
             <a:extLst>
               <a:ext uri="{FF2B5EF4-FFF2-40B4-BE49-F238E27FC236}">
-                <a16:creationId xmlns:a16="http://schemas.microsoft.com/office/drawing/2014/main" id="{3E0B00E4-0A07-9877-AC94-7D3711FB3DA8}"/>
+                <a16:creationId xmlns:a16="http://schemas.microsoft.com/office/drawing/2014/main" id="{9A6A17A1-29C4-CBEE-CD69-E64FC062D8FD}"/>
               </a:ext>
             </a:extLst>
           </p:cNvPr>
@@ -377,7 +377,7 @@
           <p:cNvPr id="3" name="竖排文字占位符 2">
             <a:extLst>
               <a:ext uri="{FF2B5EF4-FFF2-40B4-BE49-F238E27FC236}">
-                <a16:creationId xmlns:a16="http://schemas.microsoft.com/office/drawing/2014/main" id="{02CBE11F-CC90-4F5B-34E2-2C720F8232A5}"/>
+                <a16:creationId xmlns:a16="http://schemas.microsoft.com/office/drawing/2014/main" id="{BDF6752C-B2F2-5C5A-CFD5-8AF6C3A5B654}"/>
               </a:ext>
             </a:extLst>
           </p:cNvPr>
@@ -434,7 +434,7 @@
           <p:cNvPr id="4" name="日期占位符 3">
             <a:extLst>
               <a:ext uri="{FF2B5EF4-FFF2-40B4-BE49-F238E27FC236}">
-                <a16:creationId xmlns:a16="http://schemas.microsoft.com/office/drawing/2014/main" id="{DADD1B6C-FDD0-743A-7239-D6C9D16559CE}"/>
+                <a16:creationId xmlns:a16="http://schemas.microsoft.com/office/drawing/2014/main" id="{0A64424A-43D7-A4F1-66CD-54243404ED91}"/>
               </a:ext>
             </a:extLst>
           </p:cNvPr>
@@ -450,7 +450,7 @@
           <a:bodyPr/>
           <a:lstStyle/>
           <a:p>
-            <a:fld id="{30E43C62-07F4-451C-A8DB-A19B707121D9}" type="datetimeFigureOut">
+            <a:fld id="{98F3A739-727A-4F2F-B11E-3AC83B982F2E}" type="datetimeFigureOut">
               <a:rPr lang="zh-CN" altLang="en-US" smtClean="0"/>
               <a:t>2024/3/10</a:t>
             </a:fld>
@@ -463,7 +463,7 @@
           <p:cNvPr id="5" name="页脚占位符 4">
             <a:extLst>
               <a:ext uri="{FF2B5EF4-FFF2-40B4-BE49-F238E27FC236}">
-                <a16:creationId xmlns:a16="http://schemas.microsoft.com/office/drawing/2014/main" id="{39488FCC-FE60-CBD3-0BE9-946F48C62830}"/>
+                <a16:creationId xmlns:a16="http://schemas.microsoft.com/office/drawing/2014/main" id="{FD5B27C2-0186-931F-C277-CF2EFADF7CA7}"/>
               </a:ext>
             </a:extLst>
           </p:cNvPr>
@@ -488,7 +488,7 @@
           <p:cNvPr id="6" name="灯片编号占位符 5">
             <a:extLst>
               <a:ext uri="{FF2B5EF4-FFF2-40B4-BE49-F238E27FC236}">
-                <a16:creationId xmlns:a16="http://schemas.microsoft.com/office/drawing/2014/main" id="{A01E090F-23B8-5C9F-E862-7E05BA3E34B0}"/>
+                <a16:creationId xmlns:a16="http://schemas.microsoft.com/office/drawing/2014/main" id="{08A4E585-DF9B-7C38-2517-92D43FD706CC}"/>
               </a:ext>
             </a:extLst>
           </p:cNvPr>
@@ -504,7 +504,7 @@
           <a:bodyPr/>
           <a:lstStyle/>
           <a:p>
-            <a:fld id="{286B733A-6737-44E0-8C32-572A3E714E4F}" type="slidenum">
+            <a:fld id="{86667C5B-F815-4353-9AB2-9EA92E67080C}" type="slidenum">
               <a:rPr lang="zh-CN" altLang="en-US" smtClean="0"/>
               <a:t>‹#›</a:t>
             </a:fld>
@@ -515,7 +515,7 @@
     </p:spTree>
     <p:extLst>
       <p:ext uri="{BB962C8B-B14F-4D97-AF65-F5344CB8AC3E}">
-        <p14:creationId xmlns:p14="http://schemas.microsoft.com/office/powerpoint/2010/main" val="409109071"/>
+        <p14:creationId xmlns:p14="http://schemas.microsoft.com/office/powerpoint/2010/main" val="3144460748"/>
       </p:ext>
     </p:extLst>
   </p:cSld>
@@ -547,7 +547,7 @@
           <p:cNvPr id="2" name="竖排标题 1">
             <a:extLst>
               <a:ext uri="{FF2B5EF4-FFF2-40B4-BE49-F238E27FC236}">
-                <a16:creationId xmlns:a16="http://schemas.microsoft.com/office/drawing/2014/main" id="{F6DA769B-1131-A056-6DFB-B7BBDEA4B7C5}"/>
+                <a16:creationId xmlns:a16="http://schemas.microsoft.com/office/drawing/2014/main" id="{48C146ED-EE62-70DF-B1C5-6E3305CDDC81}"/>
               </a:ext>
             </a:extLst>
           </p:cNvPr>
@@ -580,7 +580,7 @@
           <p:cNvPr id="3" name="竖排文字占位符 2">
             <a:extLst>
               <a:ext uri="{FF2B5EF4-FFF2-40B4-BE49-F238E27FC236}">
-                <a16:creationId xmlns:a16="http://schemas.microsoft.com/office/drawing/2014/main" id="{FB2EE1F1-5BB4-4A57-432F-097D9280F0F4}"/>
+                <a16:creationId xmlns:a16="http://schemas.microsoft.com/office/drawing/2014/main" id="{92E72CCB-A141-075B-4AD3-3F9506B28DFD}"/>
               </a:ext>
             </a:extLst>
           </p:cNvPr>
@@ -642,7 +642,7 @@
           <p:cNvPr id="4" name="日期占位符 3">
             <a:extLst>
               <a:ext uri="{FF2B5EF4-FFF2-40B4-BE49-F238E27FC236}">
-                <a16:creationId xmlns:a16="http://schemas.microsoft.com/office/drawing/2014/main" id="{8EF6C391-E715-6EB0-F6B7-C4B33DBE5DAE}"/>
+                <a16:creationId xmlns:a16="http://schemas.microsoft.com/office/drawing/2014/main" id="{A2A6D1EF-CBF5-6E07-D889-A9B483384DA2}"/>
               </a:ext>
             </a:extLst>
           </p:cNvPr>
@@ -658,7 +658,7 @@
           <a:bodyPr/>
           <a:lstStyle/>
           <a:p>
-            <a:fld id="{30E43C62-07F4-451C-A8DB-A19B707121D9}" type="datetimeFigureOut">
+            <a:fld id="{98F3A739-727A-4F2F-B11E-3AC83B982F2E}" type="datetimeFigureOut">
               <a:rPr lang="zh-CN" altLang="en-US" smtClean="0"/>
               <a:t>2024/3/10</a:t>
             </a:fld>
@@ -671,7 +671,7 @@
           <p:cNvPr id="5" name="页脚占位符 4">
             <a:extLst>
               <a:ext uri="{FF2B5EF4-FFF2-40B4-BE49-F238E27FC236}">
-                <a16:creationId xmlns:a16="http://schemas.microsoft.com/office/drawing/2014/main" id="{9FC1B769-C1E5-7DDB-99E9-A43C1CBD7966}"/>
+                <a16:creationId xmlns:a16="http://schemas.microsoft.com/office/drawing/2014/main" id="{95E799EA-E0C1-D8AD-6D77-5A8238C0C597}"/>
               </a:ext>
             </a:extLst>
           </p:cNvPr>
@@ -696,7 +696,7 @@
           <p:cNvPr id="6" name="灯片编号占位符 5">
             <a:extLst>
               <a:ext uri="{FF2B5EF4-FFF2-40B4-BE49-F238E27FC236}">
-                <a16:creationId xmlns:a16="http://schemas.microsoft.com/office/drawing/2014/main" id="{F26E7055-4BDC-08B4-3575-D50873DE4130}"/>
+                <a16:creationId xmlns:a16="http://schemas.microsoft.com/office/drawing/2014/main" id="{8BDE2073-FE89-A591-E00C-9892F0256A0C}"/>
               </a:ext>
             </a:extLst>
           </p:cNvPr>
@@ -712,7 +712,7 @@
           <a:bodyPr/>
           <a:lstStyle/>
           <a:p>
-            <a:fld id="{286B733A-6737-44E0-8C32-572A3E714E4F}" type="slidenum">
+            <a:fld id="{86667C5B-F815-4353-9AB2-9EA92E67080C}" type="slidenum">
               <a:rPr lang="zh-CN" altLang="en-US" smtClean="0"/>
               <a:t>‹#›</a:t>
             </a:fld>
@@ -723,7 +723,7 @@
     </p:spTree>
     <p:extLst>
       <p:ext uri="{BB962C8B-B14F-4D97-AF65-F5344CB8AC3E}">
-        <p14:creationId xmlns:p14="http://schemas.microsoft.com/office/powerpoint/2010/main" val="3085294682"/>
+        <p14:creationId xmlns:p14="http://schemas.microsoft.com/office/powerpoint/2010/main" val="3868793424"/>
       </p:ext>
     </p:extLst>
   </p:cSld>
@@ -755,7 +755,7 @@
           <p:cNvPr id="2" name="标题 1">
             <a:extLst>
               <a:ext uri="{FF2B5EF4-FFF2-40B4-BE49-F238E27FC236}">
-                <a16:creationId xmlns:a16="http://schemas.microsoft.com/office/drawing/2014/main" id="{005BAA77-B354-5535-70FA-299233E799E6}"/>
+                <a16:creationId xmlns:a16="http://schemas.microsoft.com/office/drawing/2014/main" id="{8A045181-554B-1D17-F4C4-30C99435A5EE}"/>
               </a:ext>
             </a:extLst>
           </p:cNvPr>
@@ -783,7 +783,7 @@
           <p:cNvPr id="3" name="内容占位符 2">
             <a:extLst>
               <a:ext uri="{FF2B5EF4-FFF2-40B4-BE49-F238E27FC236}">
-                <a16:creationId xmlns:a16="http://schemas.microsoft.com/office/drawing/2014/main" id="{13A3E513-F468-36FA-318F-D400794B3E49}"/>
+                <a16:creationId xmlns:a16="http://schemas.microsoft.com/office/drawing/2014/main" id="{7885AD93-F5F7-D118-D35A-6D25E911C662}"/>
               </a:ext>
             </a:extLst>
           </p:cNvPr>
@@ -840,7 +840,7 @@
           <p:cNvPr id="4" name="日期占位符 3">
             <a:extLst>
               <a:ext uri="{FF2B5EF4-FFF2-40B4-BE49-F238E27FC236}">
-                <a16:creationId xmlns:a16="http://schemas.microsoft.com/office/drawing/2014/main" id="{10BBA2CD-8558-E3DE-A061-BA812EF2A5DC}"/>
+                <a16:creationId xmlns:a16="http://schemas.microsoft.com/office/drawing/2014/main" id="{E4E04551-A620-8974-29DB-549251508B53}"/>
               </a:ext>
             </a:extLst>
           </p:cNvPr>
@@ -856,7 +856,7 @@
           <a:bodyPr/>
           <a:lstStyle/>
           <a:p>
-            <a:fld id="{30E43C62-07F4-451C-A8DB-A19B707121D9}" type="datetimeFigureOut">
+            <a:fld id="{98F3A739-727A-4F2F-B11E-3AC83B982F2E}" type="datetimeFigureOut">
               <a:rPr lang="zh-CN" altLang="en-US" smtClean="0"/>
               <a:t>2024/3/10</a:t>
             </a:fld>
@@ -869,7 +869,7 @@
           <p:cNvPr id="5" name="页脚占位符 4">
             <a:extLst>
               <a:ext uri="{FF2B5EF4-FFF2-40B4-BE49-F238E27FC236}">
-                <a16:creationId xmlns:a16="http://schemas.microsoft.com/office/drawing/2014/main" id="{7B62F6B1-603B-2202-7002-21062C7E052C}"/>
+                <a16:creationId xmlns:a16="http://schemas.microsoft.com/office/drawing/2014/main" id="{C8986DFB-C240-7347-84DC-2FED2B02CAC5}"/>
               </a:ext>
             </a:extLst>
           </p:cNvPr>
@@ -894,7 +894,7 @@
           <p:cNvPr id="6" name="灯片编号占位符 5">
             <a:extLst>
               <a:ext uri="{FF2B5EF4-FFF2-40B4-BE49-F238E27FC236}">
-                <a16:creationId xmlns:a16="http://schemas.microsoft.com/office/drawing/2014/main" id="{4C988D64-C8EF-EFC5-9C16-5AD8D3788D59}"/>
+                <a16:creationId xmlns:a16="http://schemas.microsoft.com/office/drawing/2014/main" id="{C12A691E-A01A-7283-172A-6E7A6963F784}"/>
               </a:ext>
             </a:extLst>
           </p:cNvPr>
@@ -910,7 +910,7 @@
           <a:bodyPr/>
           <a:lstStyle/>
           <a:p>
-            <a:fld id="{286B733A-6737-44E0-8C32-572A3E714E4F}" type="slidenum">
+            <a:fld id="{86667C5B-F815-4353-9AB2-9EA92E67080C}" type="slidenum">
               <a:rPr lang="zh-CN" altLang="en-US" smtClean="0"/>
               <a:t>‹#›</a:t>
             </a:fld>
@@ -921,7 +921,7 @@
     </p:spTree>
     <p:extLst>
       <p:ext uri="{BB962C8B-B14F-4D97-AF65-F5344CB8AC3E}">
-        <p14:creationId xmlns:p14="http://schemas.microsoft.com/office/powerpoint/2010/main" val="1781473990"/>
+        <p14:creationId xmlns:p14="http://schemas.microsoft.com/office/powerpoint/2010/main" val="2682284774"/>
       </p:ext>
     </p:extLst>
   </p:cSld>
@@ -953,7 +953,7 @@
           <p:cNvPr id="2" name="标题 1">
             <a:extLst>
               <a:ext uri="{FF2B5EF4-FFF2-40B4-BE49-F238E27FC236}">
-                <a16:creationId xmlns:a16="http://schemas.microsoft.com/office/drawing/2014/main" id="{FF3E667D-8480-54C4-8E03-4ACAA2F2CE50}"/>
+                <a16:creationId xmlns:a16="http://schemas.microsoft.com/office/drawing/2014/main" id="{144E9432-191F-BD34-DE92-D1A2BDAD3F8C}"/>
               </a:ext>
             </a:extLst>
           </p:cNvPr>
@@ -990,7 +990,7 @@
           <p:cNvPr id="3" name="文本占位符 2">
             <a:extLst>
               <a:ext uri="{FF2B5EF4-FFF2-40B4-BE49-F238E27FC236}">
-                <a16:creationId xmlns:a16="http://schemas.microsoft.com/office/drawing/2014/main" id="{DC2513AE-E34F-5299-410F-E3983E3E40D8}"/>
+                <a16:creationId xmlns:a16="http://schemas.microsoft.com/office/drawing/2014/main" id="{DC69B4FA-A3A4-06E2-CB15-697CC68B2E72}"/>
               </a:ext>
             </a:extLst>
           </p:cNvPr>
@@ -1115,7 +1115,7 @@
           <p:cNvPr id="4" name="日期占位符 3">
             <a:extLst>
               <a:ext uri="{FF2B5EF4-FFF2-40B4-BE49-F238E27FC236}">
-                <a16:creationId xmlns:a16="http://schemas.microsoft.com/office/drawing/2014/main" id="{C83D1229-6EAB-3DA0-80D8-F01C05A02276}"/>
+                <a16:creationId xmlns:a16="http://schemas.microsoft.com/office/drawing/2014/main" id="{5203478E-618C-66FB-8240-C5957E816BC2}"/>
               </a:ext>
             </a:extLst>
           </p:cNvPr>
@@ -1131,7 +1131,7 @@
           <a:bodyPr/>
           <a:lstStyle/>
           <a:p>
-            <a:fld id="{30E43C62-07F4-451C-A8DB-A19B707121D9}" type="datetimeFigureOut">
+            <a:fld id="{98F3A739-727A-4F2F-B11E-3AC83B982F2E}" type="datetimeFigureOut">
               <a:rPr lang="zh-CN" altLang="en-US" smtClean="0"/>
               <a:t>2024/3/10</a:t>
             </a:fld>
@@ -1144,7 +1144,7 @@
           <p:cNvPr id="5" name="页脚占位符 4">
             <a:extLst>
               <a:ext uri="{FF2B5EF4-FFF2-40B4-BE49-F238E27FC236}">
-                <a16:creationId xmlns:a16="http://schemas.microsoft.com/office/drawing/2014/main" id="{261ABE33-12EF-0EAC-5CE6-FDDE4E50A272}"/>
+                <a16:creationId xmlns:a16="http://schemas.microsoft.com/office/drawing/2014/main" id="{9D0D03B7-8D6E-225D-BB25-AF9004D64A52}"/>
               </a:ext>
             </a:extLst>
           </p:cNvPr>
@@ -1169,7 +1169,7 @@
           <p:cNvPr id="6" name="灯片编号占位符 5">
             <a:extLst>
               <a:ext uri="{FF2B5EF4-FFF2-40B4-BE49-F238E27FC236}">
-                <a16:creationId xmlns:a16="http://schemas.microsoft.com/office/drawing/2014/main" id="{730EC936-8FB6-19C8-F456-CBB01CA6F67B}"/>
+                <a16:creationId xmlns:a16="http://schemas.microsoft.com/office/drawing/2014/main" id="{2A98CBF1-5467-1A32-0C2B-EEFC387E6BA0}"/>
               </a:ext>
             </a:extLst>
           </p:cNvPr>
@@ -1185,7 +1185,7 @@
           <a:bodyPr/>
           <a:lstStyle/>
           <a:p>
-            <a:fld id="{286B733A-6737-44E0-8C32-572A3E714E4F}" type="slidenum">
+            <a:fld id="{86667C5B-F815-4353-9AB2-9EA92E67080C}" type="slidenum">
               <a:rPr lang="zh-CN" altLang="en-US" smtClean="0"/>
               <a:t>‹#›</a:t>
             </a:fld>
@@ -1196,7 +1196,7 @@
     </p:spTree>
     <p:extLst>
       <p:ext uri="{BB962C8B-B14F-4D97-AF65-F5344CB8AC3E}">
-        <p14:creationId xmlns:p14="http://schemas.microsoft.com/office/powerpoint/2010/main" val="3479927683"/>
+        <p14:creationId xmlns:p14="http://schemas.microsoft.com/office/powerpoint/2010/main" val="1290727092"/>
       </p:ext>
     </p:extLst>
   </p:cSld>
@@ -1228,7 +1228,7 @@
           <p:cNvPr id="2" name="标题 1">
             <a:extLst>
               <a:ext uri="{FF2B5EF4-FFF2-40B4-BE49-F238E27FC236}">
-                <a16:creationId xmlns:a16="http://schemas.microsoft.com/office/drawing/2014/main" id="{02216273-7B10-D1FD-45EA-6ACBE0FE5090}"/>
+                <a16:creationId xmlns:a16="http://schemas.microsoft.com/office/drawing/2014/main" id="{D18C3A7C-E60C-499B-2AA1-24DA6A92EC50}"/>
               </a:ext>
             </a:extLst>
           </p:cNvPr>
@@ -1256,7 +1256,7 @@
           <p:cNvPr id="3" name="内容占位符 2">
             <a:extLst>
               <a:ext uri="{FF2B5EF4-FFF2-40B4-BE49-F238E27FC236}">
-                <a16:creationId xmlns:a16="http://schemas.microsoft.com/office/drawing/2014/main" id="{B927CF81-1AF1-622C-E4F0-84A49CA4276E}"/>
+                <a16:creationId xmlns:a16="http://schemas.microsoft.com/office/drawing/2014/main" id="{59F87BE9-7E7F-62C7-8BB5-7962E5ED4338}"/>
               </a:ext>
             </a:extLst>
           </p:cNvPr>
@@ -1318,7 +1318,7 @@
           <p:cNvPr id="4" name="内容占位符 3">
             <a:extLst>
               <a:ext uri="{FF2B5EF4-FFF2-40B4-BE49-F238E27FC236}">
-                <a16:creationId xmlns:a16="http://schemas.microsoft.com/office/drawing/2014/main" id="{BC692DEB-5480-BDAF-327D-9D7870DBC22A}"/>
+                <a16:creationId xmlns:a16="http://schemas.microsoft.com/office/drawing/2014/main" id="{85CA3D84-B6B2-93B0-4B38-97B2F236AD1C}"/>
               </a:ext>
             </a:extLst>
           </p:cNvPr>
@@ -1380,7 +1380,7 @@
           <p:cNvPr id="5" name="日期占位符 4">
             <a:extLst>
               <a:ext uri="{FF2B5EF4-FFF2-40B4-BE49-F238E27FC236}">
-                <a16:creationId xmlns:a16="http://schemas.microsoft.com/office/drawing/2014/main" id="{8374DA72-55CF-FA89-B51E-1CE8E017ACA4}"/>
+                <a16:creationId xmlns:a16="http://schemas.microsoft.com/office/drawing/2014/main" id="{E66FC370-BFC8-7AFF-5D5D-4C8F0E8971C6}"/>
               </a:ext>
             </a:extLst>
           </p:cNvPr>
@@ -1396,7 +1396,7 @@
           <a:bodyPr/>
           <a:lstStyle/>
           <a:p>
-            <a:fld id="{30E43C62-07F4-451C-A8DB-A19B707121D9}" type="datetimeFigureOut">
+            <a:fld id="{98F3A739-727A-4F2F-B11E-3AC83B982F2E}" type="datetimeFigureOut">
               <a:rPr lang="zh-CN" altLang="en-US" smtClean="0"/>
               <a:t>2024/3/10</a:t>
             </a:fld>
@@ -1409,7 +1409,7 @@
           <p:cNvPr id="6" name="页脚占位符 5">
             <a:extLst>
               <a:ext uri="{FF2B5EF4-FFF2-40B4-BE49-F238E27FC236}">
-                <a16:creationId xmlns:a16="http://schemas.microsoft.com/office/drawing/2014/main" id="{2E349A59-7D43-EEB1-CC9D-ED0BA7CF9ACA}"/>
+                <a16:creationId xmlns:a16="http://schemas.microsoft.com/office/drawing/2014/main" id="{919C1933-D14F-ECD3-E705-1A4A5DBE4D20}"/>
               </a:ext>
             </a:extLst>
           </p:cNvPr>
@@ -1434,7 +1434,7 @@
           <p:cNvPr id="7" name="灯片编号占位符 6">
             <a:extLst>
               <a:ext uri="{FF2B5EF4-FFF2-40B4-BE49-F238E27FC236}">
-                <a16:creationId xmlns:a16="http://schemas.microsoft.com/office/drawing/2014/main" id="{57B9C36E-0209-F659-606E-5F6F22247B39}"/>
+                <a16:creationId xmlns:a16="http://schemas.microsoft.com/office/drawing/2014/main" id="{EB1D913B-E521-099D-B714-5B4B26E00E08}"/>
               </a:ext>
             </a:extLst>
           </p:cNvPr>
@@ -1450,7 +1450,7 @@
           <a:bodyPr/>
           <a:lstStyle/>
           <a:p>
-            <a:fld id="{286B733A-6737-44E0-8C32-572A3E714E4F}" type="slidenum">
+            <a:fld id="{86667C5B-F815-4353-9AB2-9EA92E67080C}" type="slidenum">
               <a:rPr lang="zh-CN" altLang="en-US" smtClean="0"/>
               <a:t>‹#›</a:t>
             </a:fld>
@@ -1461,7 +1461,7 @@
     </p:spTree>
     <p:extLst>
       <p:ext uri="{BB962C8B-B14F-4D97-AF65-F5344CB8AC3E}">
-        <p14:creationId xmlns:p14="http://schemas.microsoft.com/office/powerpoint/2010/main" val="2872976384"/>
+        <p14:creationId xmlns:p14="http://schemas.microsoft.com/office/powerpoint/2010/main" val="4194005394"/>
       </p:ext>
     </p:extLst>
   </p:cSld>
@@ -1493,7 +1493,7 @@
           <p:cNvPr id="2" name="标题 1">
             <a:extLst>
               <a:ext uri="{FF2B5EF4-FFF2-40B4-BE49-F238E27FC236}">
-                <a16:creationId xmlns:a16="http://schemas.microsoft.com/office/drawing/2014/main" id="{9B04AA99-2862-3DCD-433A-1D2A8F6FB468}"/>
+                <a16:creationId xmlns:a16="http://schemas.microsoft.com/office/drawing/2014/main" id="{4B92E039-E0FB-B80C-2A72-E07F4B9B6558}"/>
               </a:ext>
             </a:extLst>
           </p:cNvPr>
@@ -1526,7 +1526,7 @@
           <p:cNvPr id="3" name="文本占位符 2">
             <a:extLst>
               <a:ext uri="{FF2B5EF4-FFF2-40B4-BE49-F238E27FC236}">
-                <a16:creationId xmlns:a16="http://schemas.microsoft.com/office/drawing/2014/main" id="{4A7D857C-CE21-59F7-BE32-50F34A1BF32A}"/>
+                <a16:creationId xmlns:a16="http://schemas.microsoft.com/office/drawing/2014/main" id="{5B258F75-0FF5-2234-72F3-50655B014F84}"/>
               </a:ext>
             </a:extLst>
           </p:cNvPr>
@@ -1597,7 +1597,7 @@
           <p:cNvPr id="4" name="内容占位符 3">
             <a:extLst>
               <a:ext uri="{FF2B5EF4-FFF2-40B4-BE49-F238E27FC236}">
-                <a16:creationId xmlns:a16="http://schemas.microsoft.com/office/drawing/2014/main" id="{1384EF4B-4A40-77EF-C85C-C2380EAA3E7A}"/>
+                <a16:creationId xmlns:a16="http://schemas.microsoft.com/office/drawing/2014/main" id="{6DC592C9-02E6-FB38-6BC1-8E33EA24395D}"/>
               </a:ext>
             </a:extLst>
           </p:cNvPr>
@@ -1659,7 +1659,7 @@
           <p:cNvPr id="5" name="文本占位符 4">
             <a:extLst>
               <a:ext uri="{FF2B5EF4-FFF2-40B4-BE49-F238E27FC236}">
-                <a16:creationId xmlns:a16="http://schemas.microsoft.com/office/drawing/2014/main" id="{79051695-F220-0626-BC7D-13A31B80446D}"/>
+                <a16:creationId xmlns:a16="http://schemas.microsoft.com/office/drawing/2014/main" id="{BD953AE1-4033-851B-A632-8BB4BFC95649}"/>
               </a:ext>
             </a:extLst>
           </p:cNvPr>
@@ -1730,7 +1730,7 @@
           <p:cNvPr id="6" name="内容占位符 5">
             <a:extLst>
               <a:ext uri="{FF2B5EF4-FFF2-40B4-BE49-F238E27FC236}">
-                <a16:creationId xmlns:a16="http://schemas.microsoft.com/office/drawing/2014/main" id="{43F0C05C-1D0A-EB00-FDFB-4D3DAE933DB0}"/>
+                <a16:creationId xmlns:a16="http://schemas.microsoft.com/office/drawing/2014/main" id="{7EE2D0A1-1E2F-7540-876C-D58D254AD709}"/>
               </a:ext>
             </a:extLst>
           </p:cNvPr>
@@ -1792,7 +1792,7 @@
           <p:cNvPr id="7" name="日期占位符 6">
             <a:extLst>
               <a:ext uri="{FF2B5EF4-FFF2-40B4-BE49-F238E27FC236}">
-                <a16:creationId xmlns:a16="http://schemas.microsoft.com/office/drawing/2014/main" id="{4226AB0D-50CA-CBA4-1B91-1EB7028FA329}"/>
+                <a16:creationId xmlns:a16="http://schemas.microsoft.com/office/drawing/2014/main" id="{E5F257F4-C334-AC89-F245-8F27420EBD84}"/>
               </a:ext>
             </a:extLst>
           </p:cNvPr>
@@ -1808,7 +1808,7 @@
           <a:bodyPr/>
           <a:lstStyle/>
           <a:p>
-            <a:fld id="{30E43C62-07F4-451C-A8DB-A19B707121D9}" type="datetimeFigureOut">
+            <a:fld id="{98F3A739-727A-4F2F-B11E-3AC83B982F2E}" type="datetimeFigureOut">
               <a:rPr lang="zh-CN" altLang="en-US" smtClean="0"/>
               <a:t>2024/3/10</a:t>
             </a:fld>
@@ -1821,7 +1821,7 @@
           <p:cNvPr id="8" name="页脚占位符 7">
             <a:extLst>
               <a:ext uri="{FF2B5EF4-FFF2-40B4-BE49-F238E27FC236}">
-                <a16:creationId xmlns:a16="http://schemas.microsoft.com/office/drawing/2014/main" id="{26D6FE1A-4B49-4F44-BA0B-90D5916D6299}"/>
+                <a16:creationId xmlns:a16="http://schemas.microsoft.com/office/drawing/2014/main" id="{8323C90D-0F79-925F-7A13-C2EEC4F883F1}"/>
               </a:ext>
             </a:extLst>
           </p:cNvPr>
@@ -1846,7 +1846,7 @@
           <p:cNvPr id="9" name="灯片编号占位符 8">
             <a:extLst>
               <a:ext uri="{FF2B5EF4-FFF2-40B4-BE49-F238E27FC236}">
-                <a16:creationId xmlns:a16="http://schemas.microsoft.com/office/drawing/2014/main" id="{2B03DC35-9AF4-5F89-6514-95FB44BBC4E2}"/>
+                <a16:creationId xmlns:a16="http://schemas.microsoft.com/office/drawing/2014/main" id="{7EDFCAB5-FD97-64E3-2A03-FA34B0043D15}"/>
               </a:ext>
             </a:extLst>
           </p:cNvPr>
@@ -1862,7 +1862,7 @@
           <a:bodyPr/>
           <a:lstStyle/>
           <a:p>
-            <a:fld id="{286B733A-6737-44E0-8C32-572A3E714E4F}" type="slidenum">
+            <a:fld id="{86667C5B-F815-4353-9AB2-9EA92E67080C}" type="slidenum">
               <a:rPr lang="zh-CN" altLang="en-US" smtClean="0"/>
               <a:t>‹#›</a:t>
             </a:fld>
@@ -1873,7 +1873,7 @@
     </p:spTree>
     <p:extLst>
       <p:ext uri="{BB962C8B-B14F-4D97-AF65-F5344CB8AC3E}">
-        <p14:creationId xmlns:p14="http://schemas.microsoft.com/office/powerpoint/2010/main" val="2483057567"/>
+        <p14:creationId xmlns:p14="http://schemas.microsoft.com/office/powerpoint/2010/main" val="2515600799"/>
       </p:ext>
     </p:extLst>
   </p:cSld>
@@ -1905,7 +1905,7 @@
           <p:cNvPr id="2" name="标题 1">
             <a:extLst>
               <a:ext uri="{FF2B5EF4-FFF2-40B4-BE49-F238E27FC236}">
-                <a16:creationId xmlns:a16="http://schemas.microsoft.com/office/drawing/2014/main" id="{854CF07B-A904-8150-17A4-18B0BB98AC65}"/>
+                <a16:creationId xmlns:a16="http://schemas.microsoft.com/office/drawing/2014/main" id="{39EA8085-DAE9-FF02-CED4-CD839347B75F}"/>
               </a:ext>
             </a:extLst>
           </p:cNvPr>
@@ -1933,7 +1933,7 @@
           <p:cNvPr id="3" name="日期占位符 2">
             <a:extLst>
               <a:ext uri="{FF2B5EF4-FFF2-40B4-BE49-F238E27FC236}">
-                <a16:creationId xmlns:a16="http://schemas.microsoft.com/office/drawing/2014/main" id="{EDB75D8A-477D-F83D-3646-EF204A3F5BE6}"/>
+                <a16:creationId xmlns:a16="http://schemas.microsoft.com/office/drawing/2014/main" id="{8498BF5B-F9E2-F018-044F-24F679CA6774}"/>
               </a:ext>
             </a:extLst>
           </p:cNvPr>
@@ -1949,7 +1949,7 @@
           <a:bodyPr/>
           <a:lstStyle/>
           <a:p>
-            <a:fld id="{30E43C62-07F4-451C-A8DB-A19B707121D9}" type="datetimeFigureOut">
+            <a:fld id="{98F3A739-727A-4F2F-B11E-3AC83B982F2E}" type="datetimeFigureOut">
               <a:rPr lang="zh-CN" altLang="en-US" smtClean="0"/>
               <a:t>2024/3/10</a:t>
             </a:fld>
@@ -1962,7 +1962,7 @@
           <p:cNvPr id="4" name="页脚占位符 3">
             <a:extLst>
               <a:ext uri="{FF2B5EF4-FFF2-40B4-BE49-F238E27FC236}">
-                <a16:creationId xmlns:a16="http://schemas.microsoft.com/office/drawing/2014/main" id="{C455E46D-5283-EB50-EE60-6619D6264DD7}"/>
+                <a16:creationId xmlns:a16="http://schemas.microsoft.com/office/drawing/2014/main" id="{D2D571DD-E871-9C4A-79C6-986D16C2E404}"/>
               </a:ext>
             </a:extLst>
           </p:cNvPr>
@@ -1987,7 +1987,7 @@
           <p:cNvPr id="5" name="灯片编号占位符 4">
             <a:extLst>
               <a:ext uri="{FF2B5EF4-FFF2-40B4-BE49-F238E27FC236}">
-                <a16:creationId xmlns:a16="http://schemas.microsoft.com/office/drawing/2014/main" id="{CE93639D-DC57-9A08-210F-D2F699406810}"/>
+                <a16:creationId xmlns:a16="http://schemas.microsoft.com/office/drawing/2014/main" id="{51CDFEB3-4579-69F1-9CC6-1EB755B64D47}"/>
               </a:ext>
             </a:extLst>
           </p:cNvPr>
@@ -2003,7 +2003,7 @@
           <a:bodyPr/>
           <a:lstStyle/>
           <a:p>
-            <a:fld id="{286B733A-6737-44E0-8C32-572A3E714E4F}" type="slidenum">
+            <a:fld id="{86667C5B-F815-4353-9AB2-9EA92E67080C}" type="slidenum">
               <a:rPr lang="zh-CN" altLang="en-US" smtClean="0"/>
               <a:t>‹#›</a:t>
             </a:fld>
@@ -2014,7 +2014,7 @@
     </p:spTree>
     <p:extLst>
       <p:ext uri="{BB962C8B-B14F-4D97-AF65-F5344CB8AC3E}">
-        <p14:creationId xmlns:p14="http://schemas.microsoft.com/office/powerpoint/2010/main" val="1978709701"/>
+        <p14:creationId xmlns:p14="http://schemas.microsoft.com/office/powerpoint/2010/main" val="1656395887"/>
       </p:ext>
     </p:extLst>
   </p:cSld>
@@ -2046,7 +2046,7 @@
           <p:cNvPr id="2" name="日期占位符 1">
             <a:extLst>
               <a:ext uri="{FF2B5EF4-FFF2-40B4-BE49-F238E27FC236}">
-                <a16:creationId xmlns:a16="http://schemas.microsoft.com/office/drawing/2014/main" id="{5E037DE4-C6E7-BA0D-8DE0-448612E857FB}"/>
+                <a16:creationId xmlns:a16="http://schemas.microsoft.com/office/drawing/2014/main" id="{72EDF35B-D320-6CC9-91B6-3EEA2C282FAB}"/>
               </a:ext>
             </a:extLst>
           </p:cNvPr>
@@ -2062,7 +2062,7 @@
           <a:bodyPr/>
           <a:lstStyle/>
           <a:p>
-            <a:fld id="{30E43C62-07F4-451C-A8DB-A19B707121D9}" type="datetimeFigureOut">
+            <a:fld id="{98F3A739-727A-4F2F-B11E-3AC83B982F2E}" type="datetimeFigureOut">
               <a:rPr lang="zh-CN" altLang="en-US" smtClean="0"/>
               <a:t>2024/3/10</a:t>
             </a:fld>
@@ -2075,7 +2075,7 @@
           <p:cNvPr id="3" name="页脚占位符 2">
             <a:extLst>
               <a:ext uri="{FF2B5EF4-FFF2-40B4-BE49-F238E27FC236}">
-                <a16:creationId xmlns:a16="http://schemas.microsoft.com/office/drawing/2014/main" id="{6E0A58D4-A37A-56B0-D78B-0501BB87FE13}"/>
+                <a16:creationId xmlns:a16="http://schemas.microsoft.com/office/drawing/2014/main" id="{CAC62136-F03B-3A3C-AC7E-A8DABBCA2E91}"/>
               </a:ext>
             </a:extLst>
           </p:cNvPr>
@@ -2100,7 +2100,7 @@
           <p:cNvPr id="4" name="灯片编号占位符 3">
             <a:extLst>
               <a:ext uri="{FF2B5EF4-FFF2-40B4-BE49-F238E27FC236}">
-                <a16:creationId xmlns:a16="http://schemas.microsoft.com/office/drawing/2014/main" id="{D47AE464-C2D7-84A8-5923-2050754A37BE}"/>
+                <a16:creationId xmlns:a16="http://schemas.microsoft.com/office/drawing/2014/main" id="{70D34774-7FCD-D371-99B3-4F900F90CF20}"/>
               </a:ext>
             </a:extLst>
           </p:cNvPr>
@@ -2116,7 +2116,7 @@
           <a:bodyPr/>
           <a:lstStyle/>
           <a:p>
-            <a:fld id="{286B733A-6737-44E0-8C32-572A3E714E4F}" type="slidenum">
+            <a:fld id="{86667C5B-F815-4353-9AB2-9EA92E67080C}" type="slidenum">
               <a:rPr lang="zh-CN" altLang="en-US" smtClean="0"/>
               <a:t>‹#›</a:t>
             </a:fld>
@@ -2127,7 +2127,7 @@
     </p:spTree>
     <p:extLst>
       <p:ext uri="{BB962C8B-B14F-4D97-AF65-F5344CB8AC3E}">
-        <p14:creationId xmlns:p14="http://schemas.microsoft.com/office/powerpoint/2010/main" val="2982133701"/>
+        <p14:creationId xmlns:p14="http://schemas.microsoft.com/office/powerpoint/2010/main" val="4105602895"/>
       </p:ext>
     </p:extLst>
   </p:cSld>
@@ -2159,7 +2159,7 @@
           <p:cNvPr id="2" name="标题 1">
             <a:extLst>
               <a:ext uri="{FF2B5EF4-FFF2-40B4-BE49-F238E27FC236}">
-                <a16:creationId xmlns:a16="http://schemas.microsoft.com/office/drawing/2014/main" id="{99A47EC0-8503-29B7-ED26-324C9BB94022}"/>
+                <a16:creationId xmlns:a16="http://schemas.microsoft.com/office/drawing/2014/main" id="{A01D661E-7568-78FE-D6CD-21EE18C48F97}"/>
               </a:ext>
             </a:extLst>
           </p:cNvPr>
@@ -2196,7 +2196,7 @@
           <p:cNvPr id="3" name="内容占位符 2">
             <a:extLst>
               <a:ext uri="{FF2B5EF4-FFF2-40B4-BE49-F238E27FC236}">
-                <a16:creationId xmlns:a16="http://schemas.microsoft.com/office/drawing/2014/main" id="{0F8E9A11-CCE1-49C1-F8B9-AE4BD0100931}"/>
+                <a16:creationId xmlns:a16="http://schemas.microsoft.com/office/drawing/2014/main" id="{4BFFB930-02EC-3FF7-1768-37A980F9EA68}"/>
               </a:ext>
             </a:extLst>
           </p:cNvPr>
@@ -2286,7 +2286,7 @@
           <p:cNvPr id="4" name="文本占位符 3">
             <a:extLst>
               <a:ext uri="{FF2B5EF4-FFF2-40B4-BE49-F238E27FC236}">
-                <a16:creationId xmlns:a16="http://schemas.microsoft.com/office/drawing/2014/main" id="{D047DBF5-9A77-2CB1-20DE-B3C921DD3025}"/>
+                <a16:creationId xmlns:a16="http://schemas.microsoft.com/office/drawing/2014/main" id="{72991110-9171-A266-5CE5-B87A350AB0C7}"/>
               </a:ext>
             </a:extLst>
           </p:cNvPr>
@@ -2357,7 +2357,7 @@
           <p:cNvPr id="5" name="日期占位符 4">
             <a:extLst>
               <a:ext uri="{FF2B5EF4-FFF2-40B4-BE49-F238E27FC236}">
-                <a16:creationId xmlns:a16="http://schemas.microsoft.com/office/drawing/2014/main" id="{0E98655B-B058-1CA8-3E03-1E5916C56D7A}"/>
+                <a16:creationId xmlns:a16="http://schemas.microsoft.com/office/drawing/2014/main" id="{DC3BB885-43F0-D758-ED9E-89A5B3B78CAF}"/>
               </a:ext>
             </a:extLst>
           </p:cNvPr>
@@ -2373,7 +2373,7 @@
           <a:bodyPr/>
           <a:lstStyle/>
           <a:p>
-            <a:fld id="{30E43C62-07F4-451C-A8DB-A19B707121D9}" type="datetimeFigureOut">
+            <a:fld id="{98F3A739-727A-4F2F-B11E-3AC83B982F2E}" type="datetimeFigureOut">
               <a:rPr lang="zh-CN" altLang="en-US" smtClean="0"/>
               <a:t>2024/3/10</a:t>
             </a:fld>
@@ -2386,7 +2386,7 @@
           <p:cNvPr id="6" name="页脚占位符 5">
             <a:extLst>
               <a:ext uri="{FF2B5EF4-FFF2-40B4-BE49-F238E27FC236}">
-                <a16:creationId xmlns:a16="http://schemas.microsoft.com/office/drawing/2014/main" id="{5A9439F3-87E6-1557-D543-42532D9AAAD5}"/>
+                <a16:creationId xmlns:a16="http://schemas.microsoft.com/office/drawing/2014/main" id="{727E36F6-13A5-94E8-9959-6BE59563A11E}"/>
               </a:ext>
             </a:extLst>
           </p:cNvPr>
@@ -2411,7 +2411,7 @@
           <p:cNvPr id="7" name="灯片编号占位符 6">
             <a:extLst>
               <a:ext uri="{FF2B5EF4-FFF2-40B4-BE49-F238E27FC236}">
-                <a16:creationId xmlns:a16="http://schemas.microsoft.com/office/drawing/2014/main" id="{3E3E87B4-B157-B772-5C23-942E3BEB2EC9}"/>
+                <a16:creationId xmlns:a16="http://schemas.microsoft.com/office/drawing/2014/main" id="{36CFFA00-E67E-0F6C-7BA2-C8A1A7740C2F}"/>
               </a:ext>
             </a:extLst>
           </p:cNvPr>
@@ -2427,7 +2427,7 @@
           <a:bodyPr/>
           <a:lstStyle/>
           <a:p>
-            <a:fld id="{286B733A-6737-44E0-8C32-572A3E714E4F}" type="slidenum">
+            <a:fld id="{86667C5B-F815-4353-9AB2-9EA92E67080C}" type="slidenum">
               <a:rPr lang="zh-CN" altLang="en-US" smtClean="0"/>
               <a:t>‹#›</a:t>
             </a:fld>
@@ -2438,7 +2438,7 @@
     </p:spTree>
     <p:extLst>
       <p:ext uri="{BB962C8B-B14F-4D97-AF65-F5344CB8AC3E}">
-        <p14:creationId xmlns:p14="http://schemas.microsoft.com/office/powerpoint/2010/main" val="4139549319"/>
+        <p14:creationId xmlns:p14="http://schemas.microsoft.com/office/powerpoint/2010/main" val="2647442732"/>
       </p:ext>
     </p:extLst>
   </p:cSld>
@@ -2470,7 +2470,7 @@
           <p:cNvPr id="2" name="标题 1">
             <a:extLst>
               <a:ext uri="{FF2B5EF4-FFF2-40B4-BE49-F238E27FC236}">
-                <a16:creationId xmlns:a16="http://schemas.microsoft.com/office/drawing/2014/main" id="{66A5EC42-AFBA-51E6-73C7-A70D6E0868F3}"/>
+                <a16:creationId xmlns:a16="http://schemas.microsoft.com/office/drawing/2014/main" id="{B04EEA05-EBA2-CE08-2FBA-F4D516A22648}"/>
               </a:ext>
             </a:extLst>
           </p:cNvPr>
@@ -2507,7 +2507,7 @@
           <p:cNvPr id="3" name="图片占位符 2">
             <a:extLst>
               <a:ext uri="{FF2B5EF4-FFF2-40B4-BE49-F238E27FC236}">
-                <a16:creationId xmlns:a16="http://schemas.microsoft.com/office/drawing/2014/main" id="{AE60AB9B-F699-6DCF-775E-39815C6E8499}"/>
+                <a16:creationId xmlns:a16="http://schemas.microsoft.com/office/drawing/2014/main" id="{89CB59C3-5CC5-B464-24C0-08BA3317691E}"/>
               </a:ext>
             </a:extLst>
           </p:cNvPr>
@@ -2574,7 +2574,7 @@
           <p:cNvPr id="4" name="文本占位符 3">
             <a:extLst>
               <a:ext uri="{FF2B5EF4-FFF2-40B4-BE49-F238E27FC236}">
-                <a16:creationId xmlns:a16="http://schemas.microsoft.com/office/drawing/2014/main" id="{2F4F57F1-0736-F347-2E40-1C84B9A080C4}"/>
+                <a16:creationId xmlns:a16="http://schemas.microsoft.com/office/drawing/2014/main" id="{8AC2C88D-9810-5A7D-1FDF-7BC733B339ED}"/>
               </a:ext>
             </a:extLst>
           </p:cNvPr>
@@ -2645,7 +2645,7 @@
           <p:cNvPr id="5" name="日期占位符 4">
             <a:extLst>
               <a:ext uri="{FF2B5EF4-FFF2-40B4-BE49-F238E27FC236}">
-                <a16:creationId xmlns:a16="http://schemas.microsoft.com/office/drawing/2014/main" id="{F0C7964A-C76B-761D-55A0-EBA034FEC496}"/>
+                <a16:creationId xmlns:a16="http://schemas.microsoft.com/office/drawing/2014/main" id="{A29450C4-B9DD-43D8-6316-83B9A508604D}"/>
               </a:ext>
             </a:extLst>
           </p:cNvPr>
@@ -2661,7 +2661,7 @@
           <a:bodyPr/>
           <a:lstStyle/>
           <a:p>
-            <a:fld id="{30E43C62-07F4-451C-A8DB-A19B707121D9}" type="datetimeFigureOut">
+            <a:fld id="{98F3A739-727A-4F2F-B11E-3AC83B982F2E}" type="datetimeFigureOut">
               <a:rPr lang="zh-CN" altLang="en-US" smtClean="0"/>
               <a:t>2024/3/10</a:t>
             </a:fld>
@@ -2674,7 +2674,7 @@
           <p:cNvPr id="6" name="页脚占位符 5">
             <a:extLst>
               <a:ext uri="{FF2B5EF4-FFF2-40B4-BE49-F238E27FC236}">
-                <a16:creationId xmlns:a16="http://schemas.microsoft.com/office/drawing/2014/main" id="{F52977EC-BB5A-47D9-D358-3000C34BD846}"/>
+                <a16:creationId xmlns:a16="http://schemas.microsoft.com/office/drawing/2014/main" id="{01454BA3-FBDD-F54B-E268-9CC8CD700377}"/>
               </a:ext>
             </a:extLst>
           </p:cNvPr>
@@ -2699,7 +2699,7 @@
           <p:cNvPr id="7" name="灯片编号占位符 6">
             <a:extLst>
               <a:ext uri="{FF2B5EF4-FFF2-40B4-BE49-F238E27FC236}">
-                <a16:creationId xmlns:a16="http://schemas.microsoft.com/office/drawing/2014/main" id="{740C8FC4-5063-227A-EEF6-47D54DC241EB}"/>
+                <a16:creationId xmlns:a16="http://schemas.microsoft.com/office/drawing/2014/main" id="{33C9370E-2727-E86F-0E84-637116BDF405}"/>
               </a:ext>
             </a:extLst>
           </p:cNvPr>
@@ -2715,7 +2715,7 @@
           <a:bodyPr/>
           <a:lstStyle/>
           <a:p>
-            <a:fld id="{286B733A-6737-44E0-8C32-572A3E714E4F}" type="slidenum">
+            <a:fld id="{86667C5B-F815-4353-9AB2-9EA92E67080C}" type="slidenum">
               <a:rPr lang="zh-CN" altLang="en-US" smtClean="0"/>
               <a:t>‹#›</a:t>
             </a:fld>
@@ -2726,7 +2726,7 @@
     </p:spTree>
     <p:extLst>
       <p:ext uri="{BB962C8B-B14F-4D97-AF65-F5344CB8AC3E}">
-        <p14:creationId xmlns:p14="http://schemas.microsoft.com/office/powerpoint/2010/main" val="1959302634"/>
+        <p14:creationId xmlns:p14="http://schemas.microsoft.com/office/powerpoint/2010/main" val="3114290237"/>
       </p:ext>
     </p:extLst>
   </p:cSld>
@@ -2763,7 +2763,7 @@
           <p:cNvPr id="2" name="标题占位符 1">
             <a:extLst>
               <a:ext uri="{FF2B5EF4-FFF2-40B4-BE49-F238E27FC236}">
-                <a16:creationId xmlns:a16="http://schemas.microsoft.com/office/drawing/2014/main" id="{0BBF1C74-7880-1BC5-0AC2-812B3AE04D8A}"/>
+                <a16:creationId xmlns:a16="http://schemas.microsoft.com/office/drawing/2014/main" id="{C892EFF6-5DB2-03D6-DF1A-EFD11898EF7F}"/>
               </a:ext>
             </a:extLst>
           </p:cNvPr>
@@ -2801,7 +2801,7 @@
           <p:cNvPr id="3" name="文本占位符 2">
             <a:extLst>
               <a:ext uri="{FF2B5EF4-FFF2-40B4-BE49-F238E27FC236}">
-                <a16:creationId xmlns:a16="http://schemas.microsoft.com/office/drawing/2014/main" id="{F7957AFE-2588-2472-D125-290662E7D83E}"/>
+                <a16:creationId xmlns:a16="http://schemas.microsoft.com/office/drawing/2014/main" id="{B3B4CF59-6D63-6E40-7D80-AB52F96EAD4D}"/>
               </a:ext>
             </a:extLst>
           </p:cNvPr>
@@ -2868,7 +2868,7 @@
           <p:cNvPr id="4" name="日期占位符 3">
             <a:extLst>
               <a:ext uri="{FF2B5EF4-FFF2-40B4-BE49-F238E27FC236}">
-                <a16:creationId xmlns:a16="http://schemas.microsoft.com/office/drawing/2014/main" id="{CCB1F1FB-82EE-F055-A1FC-E63E13602B63}"/>
+                <a16:creationId xmlns:a16="http://schemas.microsoft.com/office/drawing/2014/main" id="{A38F8875-FF54-509A-684F-A8EAF36F3102}"/>
               </a:ext>
             </a:extLst>
           </p:cNvPr>
@@ -2902,7 +2902,7 @@
             </a:lvl1pPr>
           </a:lstStyle>
           <a:p>
-            <a:fld id="{30E43C62-07F4-451C-A8DB-A19B707121D9}" type="datetimeFigureOut">
+            <a:fld id="{98F3A739-727A-4F2F-B11E-3AC83B982F2E}" type="datetimeFigureOut">
               <a:rPr lang="zh-CN" altLang="en-US" smtClean="0"/>
               <a:t>2024/3/10</a:t>
             </a:fld>
@@ -2915,7 +2915,7 @@
           <p:cNvPr id="5" name="页脚占位符 4">
             <a:extLst>
               <a:ext uri="{FF2B5EF4-FFF2-40B4-BE49-F238E27FC236}">
-                <a16:creationId xmlns:a16="http://schemas.microsoft.com/office/drawing/2014/main" id="{47038063-2B2F-676B-9DD5-2A799D6500F2}"/>
+                <a16:creationId xmlns:a16="http://schemas.microsoft.com/office/drawing/2014/main" id="{8FFC63EF-0FDA-A2DA-EFDC-96C672783FF0}"/>
               </a:ext>
             </a:extLst>
           </p:cNvPr>
@@ -2958,7 +2958,7 @@
           <p:cNvPr id="6" name="灯片编号占位符 5">
             <a:extLst>
               <a:ext uri="{FF2B5EF4-FFF2-40B4-BE49-F238E27FC236}">
-                <a16:creationId xmlns:a16="http://schemas.microsoft.com/office/drawing/2014/main" id="{64E07D96-BF85-1252-6DDA-ED6F0FDF50A2}"/>
+                <a16:creationId xmlns:a16="http://schemas.microsoft.com/office/drawing/2014/main" id="{4942D45E-94E2-C706-5DFC-7AAAF0876E3B}"/>
               </a:ext>
             </a:extLst>
           </p:cNvPr>
@@ -2992,7 +2992,7 @@
             </a:lvl1pPr>
           </a:lstStyle>
           <a:p>
-            <a:fld id="{286B733A-6737-44E0-8C32-572A3E714E4F}" type="slidenum">
+            <a:fld id="{86667C5B-F815-4353-9AB2-9EA92E67080C}" type="slidenum">
               <a:rPr lang="zh-CN" altLang="en-US" smtClean="0"/>
               <a:t>‹#›</a:t>
             </a:fld>
@@ -3003,7 +3003,7 @@
     </p:spTree>
     <p:extLst>
       <p:ext uri="{BB962C8B-B14F-4D97-AF65-F5344CB8AC3E}">
-        <p14:creationId xmlns:p14="http://schemas.microsoft.com/office/powerpoint/2010/main" val="3901637041"/>
+        <p14:creationId xmlns:p14="http://schemas.microsoft.com/office/powerpoint/2010/main" val="3688476859"/>
       </p:ext>
     </p:extLst>
   </p:cSld>
